--- a/Computer_network final[1].pptx
+++ b/Computer_network final[1].pptx
@@ -31,23 +31,23 @@
       <p:bold r:id="rId17"/>
     </p:embeddedFont>
     <p:embeddedFont>
-      <p:font typeface="Arial Black" panose="020B0A04020102020204" pitchFamily="34" charset="0"/>
+      <p:font typeface="Arial Black" panose="020B0604020202020204" pitchFamily="34" charset="0"/>
       <p:bold r:id="rId18"/>
     </p:embeddedFont>
     <p:embeddedFont>
-      <p:font typeface="Canva Sans" panose="020B0604020202020204" charset="0"/>
+      <p:font typeface="Canva Sans" panose="020B0503030501040103" pitchFamily="34" charset="0"/>
       <p:regular r:id="rId19"/>
     </p:embeddedFont>
     <p:embeddedFont>
-      <p:font typeface="Canva Sans Bold" panose="020B0604020202020204" charset="0"/>
+      <p:font typeface="Canva Sans Bold" panose="020B0803030501040103" pitchFamily="34" charset="0"/>
       <p:regular r:id="rId20"/>
     </p:embeddedFont>
     <p:embeddedFont>
-      <p:font typeface="DG Jory" panose="020B0604020202020204" charset="-78"/>
+      <p:font typeface="DG Jory" panose="02000000000000000000" pitchFamily="2" charset="-78"/>
       <p:regular r:id="rId21"/>
     </p:embeddedFont>
     <p:embeddedFont>
-      <p:font typeface="League Spartan" panose="020B0604020202020204" charset="0"/>
+      <p:font typeface="League Spartan" pitchFamily="2" charset="0"/>
       <p:regular r:id="rId22"/>
     </p:embeddedFont>
   </p:embeddedFontLst>
@@ -247,7 +247,7 @@
           <a:p>
             <a:fld id="{F4398F94-1C47-4BFA-909D-DBFE593D6362}" type="datetimeFigureOut">
               <a:rPr lang="en-US" smtClean="0"/>
-              <a:t>3/18/2025</a:t>
+              <a:t>3/19/2025</a:t>
             </a:fld>
             <a:endParaRPr lang="en-US"/>
           </a:p>
@@ -862,7 +862,7 @@
             <a:fld id="{1D8BD707-D9CF-40AE-B4C6-C98DA3205C09}" type="datetimeFigureOut">
               <a:rPr lang="en-US" smtClean="0"/>
               <a:pPr/>
-              <a:t>3/18/2025</a:t>
+              <a:t>3/19/2025</a:t>
             </a:fld>
             <a:endParaRPr lang="en-US"/>
           </a:p>
@@ -1039,7 +1039,7 @@
             <a:fld id="{1D8BD707-D9CF-40AE-B4C6-C98DA3205C09}" type="datetimeFigureOut">
               <a:rPr lang="en-US" smtClean="0"/>
               <a:pPr/>
-              <a:t>3/18/2025</a:t>
+              <a:t>3/19/2025</a:t>
             </a:fld>
             <a:endParaRPr lang="en-US"/>
           </a:p>
@@ -1226,7 +1226,7 @@
             <a:fld id="{1D8BD707-D9CF-40AE-B4C6-C98DA3205C09}" type="datetimeFigureOut">
               <a:rPr lang="en-US" smtClean="0"/>
               <a:pPr/>
-              <a:t>3/18/2025</a:t>
+              <a:t>3/19/2025</a:t>
             </a:fld>
             <a:endParaRPr lang="en-US"/>
           </a:p>
@@ -1403,7 +1403,7 @@
             <a:fld id="{1D8BD707-D9CF-40AE-B4C6-C98DA3205C09}" type="datetimeFigureOut">
               <a:rPr lang="en-US" smtClean="0"/>
               <a:pPr/>
-              <a:t>3/18/2025</a:t>
+              <a:t>3/19/2025</a:t>
             </a:fld>
             <a:endParaRPr lang="en-US"/>
           </a:p>
@@ -1657,7 +1657,7 @@
             <a:fld id="{1D8BD707-D9CF-40AE-B4C6-C98DA3205C09}" type="datetimeFigureOut">
               <a:rPr lang="en-US" smtClean="0"/>
               <a:pPr/>
-              <a:t>3/18/2025</a:t>
+              <a:t>3/19/2025</a:t>
             </a:fld>
             <a:endParaRPr lang="en-US"/>
           </a:p>
@@ -1951,7 +1951,7 @@
             <a:fld id="{1D8BD707-D9CF-40AE-B4C6-C98DA3205C09}" type="datetimeFigureOut">
               <a:rPr lang="en-US" smtClean="0"/>
               <a:pPr/>
-              <a:t>3/18/2025</a:t>
+              <a:t>3/19/2025</a:t>
             </a:fld>
             <a:endParaRPr lang="en-US"/>
           </a:p>
@@ -2379,7 +2379,7 @@
             <a:fld id="{1D8BD707-D9CF-40AE-B4C6-C98DA3205C09}" type="datetimeFigureOut">
               <a:rPr lang="en-US" smtClean="0"/>
               <a:pPr/>
-              <a:t>3/18/2025</a:t>
+              <a:t>3/19/2025</a:t>
             </a:fld>
             <a:endParaRPr lang="en-US"/>
           </a:p>
@@ -2505,7 +2505,7 @@
             <a:fld id="{1D8BD707-D9CF-40AE-B4C6-C98DA3205C09}" type="datetimeFigureOut">
               <a:rPr lang="en-US" smtClean="0"/>
               <a:pPr/>
-              <a:t>3/18/2025</a:t>
+              <a:t>3/19/2025</a:t>
             </a:fld>
             <a:endParaRPr lang="en-US"/>
           </a:p>
@@ -2609,7 +2609,7 @@
             <a:fld id="{1D8BD707-D9CF-40AE-B4C6-C98DA3205C09}" type="datetimeFigureOut">
               <a:rPr lang="en-US" smtClean="0"/>
               <a:pPr/>
-              <a:t>3/18/2025</a:t>
+              <a:t>3/19/2025</a:t>
             </a:fld>
             <a:endParaRPr lang="en-US"/>
           </a:p>
@@ -2893,7 +2893,7 @@
             <a:fld id="{1D8BD707-D9CF-40AE-B4C6-C98DA3205C09}" type="datetimeFigureOut">
               <a:rPr lang="en-US" smtClean="0"/>
               <a:pPr/>
-              <a:t>3/18/2025</a:t>
+              <a:t>3/19/2025</a:t>
             </a:fld>
             <a:endParaRPr lang="en-US"/>
           </a:p>
@@ -3154,7 +3154,7 @@
             <a:fld id="{1D8BD707-D9CF-40AE-B4C6-C98DA3205C09}" type="datetimeFigureOut">
               <a:rPr lang="en-US" smtClean="0"/>
               <a:pPr/>
-              <a:t>3/18/2025</a:t>
+              <a:t>3/19/2025</a:t>
             </a:fld>
             <a:endParaRPr lang="en-US"/>
           </a:p>
@@ -3374,7 +3374,7 @@
             <a:fld id="{1D8BD707-D9CF-40AE-B4C6-C98DA3205C09}" type="datetimeFigureOut">
               <a:rPr lang="en-US" smtClean="0"/>
               <a:pPr/>
-              <a:t>3/18/2025</a:t>
+              <a:t>3/19/2025</a:t>
             </a:fld>
             <a:endParaRPr lang="en-US"/>
           </a:p>
@@ -4011,7 +4011,7 @@
         </p:nvSpPr>
         <p:spPr>
           <a:xfrm>
-            <a:off x="2910426" y="2697412"/>
+            <a:off x="2910426" y="1443346"/>
             <a:ext cx="12467148" cy="5419725"/>
           </a:xfrm>
           <a:prstGeom prst="rect">
@@ -4040,6 +4040,93 @@
                 <a:sym typeface="League Spartan"/>
               </a:rPr>
               <a:t>DESIGN AND SIMULATION OF A COMPUTER NETWORK FOR A RAILWAY PLATFORM USING CISCO</a:t>
+            </a:r>
+          </a:p>
+        </p:txBody>
+      </p:sp>
+      <p:sp>
+        <p:nvSpPr>
+          <p:cNvPr id="7" name="TextBox 6">
+            <a:extLst>
+              <a:ext uri="{FF2B5EF4-FFF2-40B4-BE49-F238E27FC236}">
+                <a16:creationId xmlns:a16="http://schemas.microsoft.com/office/drawing/2014/main" id="{4DD353AE-499B-FD0F-A1D8-2B5693B0464E}"/>
+              </a:ext>
+            </a:extLst>
+          </p:cNvPr>
+          <p:cNvSpPr txBox="1"/>
+          <p:nvPr/>
+        </p:nvSpPr>
+        <p:spPr>
+          <a:xfrm rot="10800000" flipV="1">
+            <a:off x="13564270" y="7352437"/>
+            <a:ext cx="7822109" cy="1754326"/>
+          </a:xfrm>
+          <a:prstGeom prst="rect">
+            <a:avLst/>
+          </a:prstGeom>
+          <a:noFill/>
+        </p:spPr>
+        <p:txBody>
+          <a:bodyPr wrap="square" rtlCol="0">
+            <a:spAutoFit/>
+          </a:bodyPr>
+          <a:lstStyle/>
+          <a:p>
+            <a:pPr algn="l"/>
+            <a:r>
+              <a:rPr lang="en-US" dirty="0"/>
+              <a:t>Submitted to </a:t>
+            </a:r>
+          </a:p>
+          <a:p>
+            <a:pPr algn="l"/>
+            <a:r>
+              <a:rPr lang="en-US" dirty="0" err="1"/>
+              <a:t>Shumona</a:t>
+            </a:r>
+            <a:r>
+              <a:rPr lang="en-US" dirty="0"/>
+              <a:t> </a:t>
+            </a:r>
+            <a:r>
+              <a:rPr lang="en-US" dirty="0" err="1"/>
+              <a:t>Afroz</a:t>
+            </a:r>
+            <a:r>
+              <a:rPr lang="en-US" dirty="0"/>
+              <a:t> </a:t>
+            </a:r>
+          </a:p>
+          <a:p>
+            <a:pPr algn="l"/>
+            <a:r>
+              <a:rPr lang="en-US" dirty="0"/>
+              <a:t>Lecturer</a:t>
+            </a:r>
+          </a:p>
+          <a:p>
+            <a:pPr algn="l"/>
+            <a:r>
+              <a:rPr lang="en-US" dirty="0" err="1"/>
+              <a:t>Dept</a:t>
+            </a:r>
+            <a:r>
+              <a:rPr lang="en-US" dirty="0"/>
+              <a:t> of CSE </a:t>
+            </a:r>
+          </a:p>
+          <a:p>
+            <a:pPr algn="l"/>
+            <a:r>
+              <a:rPr lang="en-US" dirty="0"/>
+              <a:t>CSE 322</a:t>
+            </a:r>
+          </a:p>
+          <a:p>
+            <a:pPr algn="l"/>
+            <a:r>
+              <a:rPr lang="en-US" dirty="0"/>
+              <a:t>Computer Network Lab</a:t>
             </a:r>
           </a:p>
         </p:txBody>
@@ -9075,7 +9162,7 @@
           <a:bodyPr/>
           <a:lstStyle/>
           <a:p>
-            <a:endParaRPr lang="en-US"/>
+            <a:endParaRPr lang="en-US" dirty="0"/>
           </a:p>
         </p:txBody>
       </p:sp>
@@ -9216,8 +9303,8 @@
         </p:nvGrpSpPr>
         <p:grpSpPr>
           <a:xfrm>
-            <a:off x="7718228" y="5067300"/>
-            <a:ext cx="2851542" cy="3599456"/>
+            <a:off x="7718227" y="5472074"/>
+            <a:ext cx="3022193" cy="3194682"/>
             <a:chOff x="0" y="0"/>
             <a:chExt cx="547578" cy="691199"/>
           </a:xfrm>
@@ -9345,16 +9432,16 @@
           <p:nvPr/>
         </p:nvSpPr>
         <p:spPr>
-          <a:xfrm>
-            <a:off x="12210479" y="4086534"/>
-            <a:ext cx="4089916" cy="580390"/>
+          <a:xfrm rot="10800000" flipV="1">
+            <a:off x="11691751" y="3879716"/>
+            <a:ext cx="5108549" cy="1189749"/>
           </a:xfrm>
           <a:prstGeom prst="rect">
             <a:avLst/>
           </a:prstGeom>
         </p:spPr>
         <p:txBody>
-          <a:bodyPr lIns="0" tIns="0" rIns="0" bIns="0" rtlCol="0" anchor="t">
+          <a:bodyPr wrap="square" lIns="0" tIns="0" rIns="0" bIns="0" rtlCol="0" anchor="t">
             <a:spAutoFit/>
           </a:bodyPr>
           <a:lstStyle/>
@@ -9374,31 +9461,33 @@
                 <a:cs typeface="Canva Sans"/>
                 <a:sym typeface="Canva Sans"/>
               </a:rPr>
-              <a:t>Md Nazmul Islam </a:t>
+              <a:t>Md </a:t>
             </a:r>
-          </a:p>
-        </p:txBody>
-      </p:sp>
-      <p:sp>
-        <p:nvSpPr>
-          <p:cNvPr id="17" name="TextBox 17"/>
-          <p:cNvSpPr txBox="1"/>
-          <p:nvPr/>
-        </p:nvSpPr>
-        <p:spPr>
-          <a:xfrm>
-            <a:off x="7252989" y="8968105"/>
-            <a:ext cx="3753445" cy="580390"/>
-          </a:xfrm>
-          <a:prstGeom prst="rect">
-            <a:avLst/>
-          </a:prstGeom>
-        </p:spPr>
-        <p:txBody>
-          <a:bodyPr lIns="0" tIns="0" rIns="0" bIns="0" rtlCol="0" anchor="t">
-            <a:spAutoFit/>
-          </a:bodyPr>
-          <a:lstStyle/>
+            <a:r>
+              <a:rPr lang="en-US" sz="3399" dirty="0" err="1">
+                <a:solidFill>
+                  <a:srgbClr val="000000"/>
+                </a:solidFill>
+                <a:latin typeface="Canva Sans"/>
+                <a:ea typeface="Canva Sans"/>
+                <a:cs typeface="Canva Sans"/>
+                <a:sym typeface="Canva Sans"/>
+              </a:rPr>
+              <a:t>Nazmul</a:t>
+            </a:r>
+            <a:r>
+              <a:rPr lang="en-US" sz="3399" dirty="0">
+                <a:solidFill>
+                  <a:srgbClr val="000000"/>
+                </a:solidFill>
+                <a:latin typeface="Canva Sans"/>
+                <a:ea typeface="Canva Sans"/>
+                <a:cs typeface="Canva Sans"/>
+                <a:sym typeface="Canva Sans"/>
+              </a:rPr>
+              <a:t> Islam</a:t>
+            </a:r>
+          </a:p>
           <a:p>
             <a:pPr algn="ctr">
               <a:lnSpc>
@@ -9415,7 +9504,91 @@
                 <a:cs typeface="Canva Sans"/>
                 <a:sym typeface="Canva Sans"/>
               </a:rPr>
-              <a:t>Md. Sakib Hossain</a:t>
+              <a:t>0242310005101183 </a:t>
+            </a:r>
+          </a:p>
+        </p:txBody>
+      </p:sp>
+      <p:sp>
+        <p:nvSpPr>
+          <p:cNvPr id="17" name="TextBox 17"/>
+          <p:cNvSpPr txBox="1"/>
+          <p:nvPr/>
+        </p:nvSpPr>
+        <p:spPr>
+          <a:xfrm rot="10800000" flipV="1">
+            <a:off x="7008365" y="8663425"/>
+            <a:ext cx="4957490" cy="1189749"/>
+          </a:xfrm>
+          <a:prstGeom prst="rect">
+            <a:avLst/>
+          </a:prstGeom>
+        </p:spPr>
+        <p:txBody>
+          <a:bodyPr wrap="square" lIns="0" tIns="0" rIns="0" bIns="0" rtlCol="0" anchor="t">
+            <a:spAutoFit/>
+          </a:bodyPr>
+          <a:lstStyle/>
+          <a:p>
+            <a:pPr algn="ctr">
+              <a:lnSpc>
+                <a:spcPts val="4759"/>
+              </a:lnSpc>
+            </a:pPr>
+            <a:r>
+              <a:rPr lang="en-US" sz="3399" dirty="0">
+                <a:solidFill>
+                  <a:srgbClr val="000000"/>
+                </a:solidFill>
+                <a:latin typeface="Canva Sans"/>
+                <a:ea typeface="Canva Sans"/>
+                <a:cs typeface="Canva Sans"/>
+                <a:sym typeface="Canva Sans"/>
+              </a:rPr>
+              <a:t>Md. </a:t>
+            </a:r>
+            <a:r>
+              <a:rPr lang="en-US" sz="3399" dirty="0" err="1">
+                <a:solidFill>
+                  <a:srgbClr val="000000"/>
+                </a:solidFill>
+                <a:latin typeface="Canva Sans"/>
+                <a:ea typeface="Canva Sans"/>
+                <a:cs typeface="Canva Sans"/>
+                <a:sym typeface="Canva Sans"/>
+              </a:rPr>
+              <a:t>Sakib</a:t>
+            </a:r>
+            <a:r>
+              <a:rPr lang="en-US" sz="3399" dirty="0">
+                <a:solidFill>
+                  <a:srgbClr val="000000"/>
+                </a:solidFill>
+                <a:latin typeface="Canva Sans"/>
+                <a:ea typeface="Canva Sans"/>
+                <a:cs typeface="Canva Sans"/>
+                <a:sym typeface="Canva Sans"/>
+              </a:rPr>
+              <a:t> Hossain</a:t>
+            </a:r>
+          </a:p>
+          <a:p>
+            <a:pPr algn="ctr">
+              <a:lnSpc>
+                <a:spcPts val="4759"/>
+              </a:lnSpc>
+            </a:pPr>
+            <a:r>
+              <a:rPr lang="en-US" sz="3399" dirty="0">
+                <a:solidFill>
+                  <a:srgbClr val="000000"/>
+                </a:solidFill>
+                <a:latin typeface="Canva Sans"/>
+                <a:ea typeface="Canva Sans"/>
+                <a:cs typeface="Canva Sans"/>
+                <a:sym typeface="Canva Sans"/>
+              </a:rPr>
+              <a:t>0242310005101266</a:t>
             </a:r>
           </a:p>
         </p:txBody>
@@ -9429,7 +9602,7 @@
         <p:spPr>
           <a:xfrm>
             <a:off x="6979735" y="4086534"/>
-            <a:ext cx="4677717" cy="580390"/>
+            <a:ext cx="4677717" cy="1189749"/>
           </a:xfrm>
           <a:prstGeom prst="rect">
             <a:avLst/>
@@ -9447,7 +9620,7 @@
               </a:lnSpc>
             </a:pPr>
             <a:r>
-              <a:rPr lang="en-US" sz="3399">
+              <a:rPr lang="en-US" sz="3399" dirty="0" err="1">
                 <a:solidFill>
                   <a:srgbClr val="000000"/>
                 </a:solidFill>
@@ -9456,7 +9629,83 @@
                 <a:cs typeface="Canva Sans"/>
                 <a:sym typeface="Canva Sans"/>
               </a:rPr>
-              <a:t>Masud Rana Nayeem</a:t>
+              <a:t>Masud</a:t>
+            </a:r>
+            <a:r>
+              <a:rPr lang="en-US" sz="3399" dirty="0">
+                <a:solidFill>
+                  <a:srgbClr val="000000"/>
+                </a:solidFill>
+                <a:latin typeface="Canva Sans"/>
+                <a:ea typeface="Canva Sans"/>
+                <a:cs typeface="Canva Sans"/>
+                <a:sym typeface="Canva Sans"/>
+              </a:rPr>
+              <a:t> </a:t>
+            </a:r>
+            <a:r>
+              <a:rPr lang="en-US" sz="3399" dirty="0" err="1">
+                <a:solidFill>
+                  <a:srgbClr val="000000"/>
+                </a:solidFill>
+                <a:latin typeface="Canva Sans"/>
+                <a:ea typeface="Canva Sans"/>
+                <a:cs typeface="Canva Sans"/>
+                <a:sym typeface="Canva Sans"/>
+              </a:rPr>
+              <a:t>Rana</a:t>
+            </a:r>
+            <a:r>
+              <a:rPr lang="en-US" sz="3399" dirty="0">
+                <a:solidFill>
+                  <a:srgbClr val="000000"/>
+                </a:solidFill>
+                <a:latin typeface="Canva Sans"/>
+                <a:ea typeface="Canva Sans"/>
+                <a:cs typeface="Canva Sans"/>
+                <a:sym typeface="Canva Sans"/>
+              </a:rPr>
+              <a:t> </a:t>
+            </a:r>
+            <a:r>
+              <a:rPr lang="en-US" sz="3399" dirty="0" err="1">
+                <a:solidFill>
+                  <a:srgbClr val="000000"/>
+                </a:solidFill>
+                <a:latin typeface="Canva Sans"/>
+                <a:ea typeface="Canva Sans"/>
+                <a:cs typeface="Canva Sans"/>
+                <a:sym typeface="Canva Sans"/>
+              </a:rPr>
+              <a:t>Nayeem</a:t>
+            </a:r>
+            <a:endParaRPr lang="en-US" sz="3399" dirty="0">
+              <a:solidFill>
+                <a:srgbClr val="000000"/>
+              </a:solidFill>
+              <a:latin typeface="Canva Sans"/>
+              <a:ea typeface="Canva Sans"/>
+              <a:cs typeface="Canva Sans"/>
+              <a:sym typeface="Canva Sans"/>
+            </a:endParaRPr>
+          </a:p>
+          <a:p>
+            <a:pPr algn="ctr">
+              <a:lnSpc>
+                <a:spcPts val="4759"/>
+              </a:lnSpc>
+            </a:pPr>
+            <a:r>
+              <a:rPr lang="en-US" sz="3399" dirty="0">
+                <a:solidFill>
+                  <a:srgbClr val="000000"/>
+                </a:solidFill>
+                <a:latin typeface="Canva Sans"/>
+                <a:ea typeface="Canva Sans"/>
+                <a:cs typeface="Canva Sans"/>
+                <a:sym typeface="Canva Sans"/>
+              </a:rPr>
+              <a:t>0242310005101849</a:t>
             </a:r>
           </a:p>
         </p:txBody>
@@ -9470,7 +9719,7 @@
         <p:spPr>
           <a:xfrm>
             <a:off x="1713444" y="4086534"/>
-            <a:ext cx="4677717" cy="580390"/>
+            <a:ext cx="4677717" cy="1189749"/>
           </a:xfrm>
           <a:prstGeom prst="rect">
             <a:avLst/>
@@ -9488,7 +9737,7 @@
               </a:lnSpc>
             </a:pPr>
             <a:r>
-              <a:rPr lang="en-US" sz="3399">
+              <a:rPr lang="en-US" sz="3399" dirty="0">
                 <a:solidFill>
                   <a:srgbClr val="000000"/>
                 </a:solidFill>
@@ -9497,7 +9746,50 @@
                 <a:cs typeface="Canva Sans"/>
                 <a:sym typeface="Canva Sans"/>
               </a:rPr>
-              <a:t>SM Sadman Al Siam</a:t>
+              <a:t>SM </a:t>
+            </a:r>
+            <a:r>
+              <a:rPr lang="en-US" sz="3399" dirty="0" err="1">
+                <a:solidFill>
+                  <a:srgbClr val="000000"/>
+                </a:solidFill>
+                <a:latin typeface="Canva Sans"/>
+                <a:ea typeface="Canva Sans"/>
+                <a:cs typeface="Canva Sans"/>
+                <a:sym typeface="Canva Sans"/>
+              </a:rPr>
+              <a:t>Sadman</a:t>
+            </a:r>
+            <a:r>
+              <a:rPr lang="en-US" sz="3399" dirty="0">
+                <a:solidFill>
+                  <a:srgbClr val="000000"/>
+                </a:solidFill>
+                <a:latin typeface="Canva Sans"/>
+                <a:ea typeface="Canva Sans"/>
+                <a:cs typeface="Canva Sans"/>
+                <a:sym typeface="Canva Sans"/>
+              </a:rPr>
+              <a:t> Al Siam</a:t>
+            </a:r>
+          </a:p>
+          <a:p>
+            <a:pPr algn="ctr">
+              <a:lnSpc>
+                <a:spcPts val="4759"/>
+              </a:lnSpc>
+            </a:pPr>
+            <a:r>
+              <a:rPr lang="en-US" sz="3399" dirty="0">
+                <a:solidFill>
+                  <a:srgbClr val="000000"/>
+                </a:solidFill>
+                <a:latin typeface="Canva Sans"/>
+                <a:ea typeface="Canva Sans"/>
+                <a:cs typeface="Canva Sans"/>
+                <a:sym typeface="Canva Sans"/>
+              </a:rPr>
+              <a:t>0242310005101123</a:t>
             </a:r>
           </a:p>
         </p:txBody>
@@ -9537,6 +9829,39 @@
           </a:prstGeom>
         </p:spPr>
       </p:pic>
+      <p:sp>
+        <p:nvSpPr>
+          <p:cNvPr id="10" name="TextBox 9">
+            <a:extLst>
+              <a:ext uri="{FF2B5EF4-FFF2-40B4-BE49-F238E27FC236}">
+                <a16:creationId xmlns:a16="http://schemas.microsoft.com/office/drawing/2014/main" id="{8143C00C-54CD-E5B2-335D-C0486E8F5199}"/>
+              </a:ext>
+            </a:extLst>
+          </p:cNvPr>
+          <p:cNvSpPr txBox="1"/>
+          <p:nvPr/>
+        </p:nvSpPr>
+        <p:spPr>
+          <a:xfrm>
+            <a:off x="11673501" y="1522147"/>
+            <a:ext cx="1828800" cy="1828800"/>
+          </a:xfrm>
+          <a:prstGeom prst="rect">
+            <a:avLst/>
+          </a:prstGeom>
+          <a:noFill/>
+        </p:spPr>
+        <p:txBody>
+          <a:bodyPr wrap="square" rtlCol="0">
+            <a:spAutoFit/>
+          </a:bodyPr>
+          <a:lstStyle/>
+          <a:p>
+            <a:pPr algn="l"/>
+            <a:endParaRPr lang="en-US" dirty="0"/>
+          </a:p>
+        </p:txBody>
+      </p:sp>
     </p:spTree>
   </p:cSld>
   <p:clrMapOvr>
